--- a/powerpoints/Day_10.pptx
+++ b/powerpoints/Day_10.pptx
@@ -522,7 +522,7 @@
           <a:p>
             <a:fld id="{44EAA8D1-3A60-4777-B086-712A7C44836F}" type="datetimeFigureOut">
               <a:rPr lang="en-US" smtClean="0"/>
-              <a:t>9/15/2021</a:t>
+              <a:t>9/16/2021</a:t>
             </a:fld>
             <a:endParaRPr lang="en-US"/>
           </a:p>
@@ -42018,8 +42018,8 @@
           </a:p>
         </p:txBody>
       </p:sp>
-      <mc:AlternateContent xmlns:mc="http://schemas.openxmlformats.org/markup-compatibility/2006" xmlns:a14="http://schemas.microsoft.com/office/drawing/2010/main">
-        <mc:Choice Requires="a14">
+      <mc:AlternateContent xmlns:mc="http://schemas.openxmlformats.org/markup-compatibility/2006">
+        <mc:Choice xmlns:a14="http://schemas.microsoft.com/office/drawing/2010/main" Requires="a14">
           <p:sp>
             <p:nvSpPr>
               <p:cNvPr id="3" name="Content Placeholder 2">
@@ -42036,10 +42036,15 @@
                 <p:ph idx="1"/>
               </p:nvPr>
             </p:nvSpPr>
-            <p:spPr/>
+            <p:spPr>
+              <a:xfrm>
+                <a:off x="380010" y="1481446"/>
+                <a:ext cx="8383980" cy="4882266"/>
+              </a:xfrm>
+            </p:spPr>
             <p:txBody>
               <a:bodyPr>
-                <a:normAutofit fontScale="70000" lnSpcReduction="20000"/>
+                <a:normAutofit fontScale="77500" lnSpcReduction="20000"/>
               </a:bodyPr>
               <a:lstStyle/>
               <a:p>
@@ -42107,6 +42112,32 @@
               <a:p>
                 <a:r>
                   <a:rPr lang="en-US" dirty="0"/>
+                  <a:t>O(log n)</a:t>
+                </a:r>
+              </a:p>
+              <a:p>
+                <a:pPr lvl="1"/>
+                <a:r>
+                  <a:rPr lang="en-US" dirty="0"/>
+                  <a:t>Search through a sorted array using binary search</a:t>
+                </a:r>
+              </a:p>
+              <a:p>
+                <a:r>
+                  <a:rPr lang="en-US" dirty="0"/>
+                  <a:t>O(n log n)</a:t>
+                </a:r>
+              </a:p>
+              <a:p>
+                <a:pPr lvl="1"/>
+                <a:r>
+                  <a:rPr lang="en-US" dirty="0"/>
+                  <a:t>Merge sort</a:t>
+                </a:r>
+              </a:p>
+              <a:p>
+                <a:r>
+                  <a:rPr lang="en-US" dirty="0"/>
                   <a:t>O</a:t>
                 </a:r>
                 <a14:m>
@@ -42165,36 +42196,10 @@
                   <a:t>Quick sort</a:t>
                 </a:r>
               </a:p>
-              <a:p>
-                <a:r>
-                  <a:rPr lang="en-US" dirty="0"/>
-                  <a:t>O(log n)</a:t>
-                </a:r>
-              </a:p>
-              <a:p>
-                <a:pPr lvl="1"/>
-                <a:r>
-                  <a:rPr lang="en-US" dirty="0"/>
-                  <a:t>Search through a sorted array using binary search</a:t>
-                </a:r>
-              </a:p>
-              <a:p>
-                <a:r>
-                  <a:rPr lang="en-US" dirty="0"/>
-                  <a:t>O(n log n)</a:t>
-                </a:r>
-              </a:p>
-              <a:p>
-                <a:pPr lvl="1"/>
-                <a:r>
-                  <a:rPr lang="en-US" dirty="0"/>
-                  <a:t>Merge sort</a:t>
-                </a:r>
-              </a:p>
             </p:txBody>
           </p:sp>
         </mc:Choice>
-        <mc:Fallback xmlns="">
+        <mc:Fallback>
           <p:sp>
             <p:nvSpPr>
               <p:cNvPr id="3" name="Content Placeholder 2">
@@ -42212,10 +42217,14 @@
               </p:nvPr>
             </p:nvSpPr>
             <p:spPr>
+              <a:xfrm>
+                <a:off x="380010" y="1481446"/>
+                <a:ext cx="8383980" cy="4882266"/>
+              </a:xfrm>
               <a:blipFill>
                 <a:blip r:embed="rId2"/>
                 <a:stretch>
-                  <a:fillRect l="-654" t="-1887"/>
+                  <a:fillRect l="-799" t="-2122" r="-1017" b="-1498"/>
                 </a:stretch>
               </a:blipFill>
             </p:spPr>
@@ -42743,19 +42752,33 @@
         </p:spPr>
         <p:txBody>
           <a:bodyPr>
-            <a:normAutofit/>
+            <a:normAutofit fontScale="92500"/>
           </a:bodyPr>
           <a:lstStyle/>
           <a:p>
             <a:r>
               <a:rPr lang="en-US" dirty="0"/>
-              <a:t>An algorithm is just a step-by-step approach to solving a problem.</a:t>
+              <a:t>‘Algorithm’ is often a buzzword, but its just a step-by-step approach to solving a problem.</a:t>
+            </a:r>
+          </a:p>
+          <a:p>
+            <a:pPr lvl="1"/>
+            <a:r>
+              <a:rPr lang="en-US" dirty="0"/>
+              <a:t>Following directions to bake a cake</a:t>
+            </a:r>
+          </a:p>
+          <a:p>
+            <a:pPr lvl="1"/>
+            <a:r>
+              <a:rPr lang="en-US" dirty="0"/>
+              <a:t>Giving directions to get to your house</a:t>
             </a:r>
           </a:p>
           <a:p>
             <a:r>
               <a:rPr lang="en-US" dirty="0"/>
-              <a:t>You have an array of numbers, and you want to sort them from lowest to highest. How do you do it?</a:t>
+              <a:t>If you have an array of numbers, and you want to sort them from lowest to highest. How do you do it?</a:t>
             </a:r>
           </a:p>
           <a:p>
@@ -43435,7 +43458,7 @@
             </a:pPr>
             <a:r>
               <a:rPr lang="en-US" sz="1600" dirty="0"/>
-              <a:t>(could still be better)</a:t>
+              <a:t>(even now could still be improved)</a:t>
             </a:r>
           </a:p>
         </p:txBody>

--- a/powerpoints/Day_10.pptx
+++ b/powerpoints/Day_10.pptx
@@ -522,7 +522,7 @@
           <a:p>
             <a:fld id="{44EAA8D1-3A60-4777-B086-712A7C44836F}" type="datetimeFigureOut">
               <a:rPr lang="en-US" smtClean="0"/>
-              <a:t>9/16/2021</a:t>
+              <a:t>9/20/2021</a:t>
             </a:fld>
             <a:endParaRPr lang="en-US"/>
           </a:p>
@@ -40234,7 +40234,7 @@
         </p:style>
         <p:txBody>
           <a:bodyPr spcFirstLastPara="1" vert="horz" wrap="square" lIns="91425" tIns="45700" rIns="91425" bIns="45700" rtlCol="0" anchor="t" anchorCtr="0">
-            <a:normAutofit/>
+            <a:normAutofit lnSpcReduction="10000"/>
           </a:bodyPr>
           <a:lstStyle>
             <a:lvl1pPr marL="342900" indent="-342900" algn="l" defTabSz="914400" rtl="0" eaLnBrk="1" latinLnBrk="0" hangingPunct="1">
@@ -40448,6 +40448,53 @@
                 <a:cs typeface="Courier New" panose="02070309020205020404" pitchFamily="49" charset="0"/>
               </a:rPr>
               <a:t>) {</a:t>
+            </a:r>
+          </a:p>
+          <a:p>
+            <a:pPr marL="182880" lvl="1" indent="0" defTabSz="457200">
+              <a:lnSpc>
+                <a:spcPct val="90000"/>
+              </a:lnSpc>
+              <a:spcBef>
+                <a:spcPts val="480"/>
+              </a:spcBef>
+              <a:buSzPts val="2400"/>
+              <a:buNone/>
+            </a:pPr>
+            <a:r>
+              <a:rPr lang="en-US" sz="1400" dirty="0">
+                <a:latin typeface="Courier New" panose="02070309020205020404" pitchFamily="49" charset="0"/>
+                <a:cs typeface="Courier New" panose="02070309020205020404" pitchFamily="49" charset="0"/>
+              </a:rPr>
+              <a:t>	</a:t>
+            </a:r>
+            <a:r>
+              <a:rPr lang="en-US" sz="1400" b="1" dirty="0">
+                <a:latin typeface="Courier New" panose="02070309020205020404" pitchFamily="49" charset="0"/>
+                <a:cs typeface="Courier New" panose="02070309020205020404" pitchFamily="49" charset="0"/>
+              </a:rPr>
+              <a:t>int</a:t>
+            </a:r>
+            <a:r>
+              <a:rPr lang="en-US" sz="1400" dirty="0">
+                <a:latin typeface="Courier New" panose="02070309020205020404" pitchFamily="49" charset="0"/>
+                <a:cs typeface="Courier New" panose="02070309020205020404" pitchFamily="49" charset="0"/>
+              </a:rPr>
+              <a:t> n = </a:t>
+            </a:r>
+            <a:r>
+              <a:rPr lang="en-US" sz="1400" dirty="0" err="1">
+                <a:latin typeface="Courier New" panose="02070309020205020404" pitchFamily="49" charset="0"/>
+                <a:cs typeface="Courier New" panose="02070309020205020404" pitchFamily="49" charset="0"/>
+              </a:rPr>
+              <a:t>arr.length</a:t>
+            </a:r>
+            <a:r>
+              <a:rPr lang="en-US" sz="1400" dirty="0">
+                <a:latin typeface="Courier New" panose="02070309020205020404" pitchFamily="49" charset="0"/>
+                <a:cs typeface="Courier New" panose="02070309020205020404" pitchFamily="49" charset="0"/>
+              </a:rPr>
+              <a:t>;</a:t>
             </a:r>
           </a:p>
           <a:p>
@@ -40956,7 +41003,7 @@
                 <a:latin typeface="Courier New" panose="02070309020205020404" pitchFamily="49" charset="0"/>
                 <a:cs typeface="Courier New" panose="02070309020205020404" pitchFamily="49" charset="0"/>
               </a:rPr>
-              <a:t>]</a:t>
+              <a:t>];</a:t>
             </a:r>
           </a:p>
           <a:p>
@@ -41470,6 +41517,37 @@
                                           <p:spTgt spid="5">
                                             <p:txEl>
                                               <p:pRg st="12" end="12"/>
+                                            </p:txEl>
+                                          </p:spTgt>
+                                        </p:tgtEl>
+                                        <p:attrNameLst>
+                                          <p:attrName>style.visibility</p:attrName>
+                                        </p:attrNameLst>
+                                      </p:cBhvr>
+                                      <p:to>
+                                        <p:strVal val="visible"/>
+                                      </p:to>
+                                    </p:set>
+                                  </p:childTnLst>
+                                </p:cTn>
+                              </p:par>
+                              <p:par>
+                                <p:cTn id="31" presetID="1" presetClass="entr" presetSubtype="0" fill="hold" grpId="0" nodeType="withEffect">
+                                  <p:stCondLst>
+                                    <p:cond delay="0"/>
+                                  </p:stCondLst>
+                                  <p:childTnLst>
+                                    <p:set>
+                                      <p:cBhvr>
+                                        <p:cTn id="32" dur="1" fill="hold">
+                                          <p:stCondLst>
+                                            <p:cond delay="0"/>
+                                          </p:stCondLst>
+                                        </p:cTn>
+                                        <p:tgtEl>
+                                          <p:spTgt spid="5">
+                                            <p:txEl>
+                                              <p:pRg st="13" end="13"/>
                                             </p:txEl>
                                           </p:spTgt>
                                         </p:tgtEl>
@@ -42018,8 +42096,8 @@
           </a:p>
         </p:txBody>
       </p:sp>
-      <mc:AlternateContent xmlns:mc="http://schemas.openxmlformats.org/markup-compatibility/2006">
-        <mc:Choice xmlns:a14="http://schemas.microsoft.com/office/drawing/2010/main" Requires="a14">
+      <mc:AlternateContent xmlns:mc="http://schemas.openxmlformats.org/markup-compatibility/2006" xmlns:a14="http://schemas.microsoft.com/office/drawing/2010/main">
+        <mc:Choice Requires="a14">
           <p:sp>
             <p:nvSpPr>
               <p:cNvPr id="3" name="Content Placeholder 2">
@@ -42199,7 +42277,7 @@
             </p:txBody>
           </p:sp>
         </mc:Choice>
-        <mc:Fallback>
+        <mc:Fallback xmlns="">
           <p:sp>
             <p:nvSpPr>
               <p:cNvPr id="3" name="Content Placeholder 2">
